--- a/21 Schema Notes/Internet of Things/Module 4/Module4PPT.pptx
+++ b/21 Schema Notes/Internet of Things/Module 4/Module4PPT.pptx
@@ -251,7 +251,7 @@
               <a:rPr lang="en-US" smtClean="0">
                 <a:latin typeface="Futura Cyrillic Book" panose="020B0502020204020303" charset="0"/>
               </a:rPr>
-              <a:t>11/4/2024</a:t>
+              <a:t>14-Dec-24</a:t>
             </a:fld>
             <a:endParaRPr lang="en-US">
               <a:latin typeface="Futura Cyrillic Book" panose="020B0502020204020303" charset="0"/>
@@ -428,7 +428,7 @@
           <a:p>
             <a:fld id="{0ECD8AD1-49EC-45F2-A2FF-1FE3195688C5}" type="datetimeFigureOut">
               <a:rPr lang="en-IN" smtClean="0"/>
-              <a:t>04-11-2024</a:t>
+              <a:t>14-12-2024</a:t>
             </a:fld>
             <a:endParaRPr lang="en-IN"/>
           </a:p>
@@ -829,7 +829,7 @@
           <a:p>
             <a:fld id="{4EF95999-A99C-46D6-BFDA-AEFA180EA74F}" type="datetimeFigureOut">
               <a:rPr lang="en-US" smtClean="0"/>
-              <a:t>11/4/2024</a:t>
+              <a:t>14-Dec-24</a:t>
             </a:fld>
             <a:endParaRPr lang="en-US"/>
           </a:p>
@@ -992,7 +992,7 @@
           <a:p>
             <a:fld id="{4EF95999-A99C-46D6-BFDA-AEFA180EA74F}" type="datetimeFigureOut">
               <a:rPr lang="en-US" smtClean="0"/>
-              <a:t>11/4/2024</a:t>
+              <a:t>14-Dec-24</a:t>
             </a:fld>
             <a:endParaRPr lang="en-US"/>
           </a:p>
@@ -1165,7 +1165,7 @@
           <a:p>
             <a:fld id="{4EF95999-A99C-46D6-BFDA-AEFA180EA74F}" type="datetimeFigureOut">
               <a:rPr lang="en-US" smtClean="0"/>
-              <a:t>11/4/2024</a:t>
+              <a:t>14-Dec-24</a:t>
             </a:fld>
             <a:endParaRPr lang="en-US"/>
           </a:p>
@@ -1334,7 +1334,7 @@
           <a:p>
             <a:fld id="{EC281ACE-890E-4B55-88CA-A440D73ED3A3}" type="datetimeFigureOut">
               <a:rPr lang="en-US" smtClean="0"/>
-              <a:t>11/4/2024</a:t>
+              <a:t>14-Dec-24</a:t>
             </a:fld>
             <a:endParaRPr lang="en-US"/>
           </a:p>
@@ -1550,7 +1550,7 @@
           <a:p>
             <a:fld id="{36B80835-DEB3-4275-B379-2566D87801AD}" type="datetimeFigureOut">
               <a:rPr lang="en-US" smtClean="0"/>
-              <a:t>11/4/2024</a:t>
+              <a:t>14-Dec-24</a:t>
             </a:fld>
             <a:endParaRPr lang="en-US"/>
           </a:p>
@@ -1713,7 +1713,7 @@
           <a:p>
             <a:fld id="{36B80835-DEB3-4275-B379-2566D87801AD}" type="datetimeFigureOut">
               <a:rPr lang="en-US" smtClean="0"/>
-              <a:t>11/4/2024</a:t>
+              <a:t>14-Dec-24</a:t>
             </a:fld>
             <a:endParaRPr lang="en-US"/>
           </a:p>
@@ -1953,7 +1953,7 @@
           <a:p>
             <a:fld id="{36B80835-DEB3-4275-B379-2566D87801AD}" type="datetimeFigureOut">
               <a:rPr lang="en-US" smtClean="0"/>
-              <a:t>11/4/2024</a:t>
+              <a:t>14-Dec-24</a:t>
             </a:fld>
             <a:endParaRPr lang="en-US"/>
           </a:p>
@@ -2177,7 +2177,7 @@
           <a:p>
             <a:fld id="{36B80835-DEB3-4275-B379-2566D87801AD}" type="datetimeFigureOut">
               <a:rPr lang="en-US" smtClean="0"/>
-              <a:t>11/4/2024</a:t>
+              <a:t>14-Dec-24</a:t>
             </a:fld>
             <a:endParaRPr lang="en-US"/>
           </a:p>
@@ -2536,7 +2536,7 @@
           <a:p>
             <a:fld id="{36B80835-DEB3-4275-B379-2566D87801AD}" type="datetimeFigureOut">
               <a:rPr lang="en-US" smtClean="0"/>
-              <a:t>11/4/2024</a:t>
+              <a:t>14-Dec-24</a:t>
             </a:fld>
             <a:endParaRPr lang="en-US"/>
           </a:p>
@@ -2648,7 +2648,7 @@
           <a:p>
             <a:fld id="{36B80835-DEB3-4275-B379-2566D87801AD}" type="datetimeFigureOut">
               <a:rPr lang="en-US" smtClean="0"/>
-              <a:t>11/4/2024</a:t>
+              <a:t>14-Dec-24</a:t>
             </a:fld>
             <a:endParaRPr lang="en-US"/>
           </a:p>
@@ -2738,7 +2738,7 @@
           <a:p>
             <a:fld id="{36B80835-DEB3-4275-B379-2566D87801AD}" type="datetimeFigureOut">
               <a:rPr lang="en-US" smtClean="0"/>
-              <a:t>11/4/2024</a:t>
+              <a:t>14-Dec-24</a:t>
             </a:fld>
             <a:endParaRPr lang="en-US"/>
           </a:p>
@@ -2901,7 +2901,7 @@
           <a:p>
             <a:fld id="{4EF95999-A99C-46D6-BFDA-AEFA180EA74F}" type="datetimeFigureOut">
               <a:rPr lang="en-US" smtClean="0"/>
-              <a:t>11/4/2024</a:t>
+              <a:t>14-Dec-24</a:t>
             </a:fld>
             <a:endParaRPr lang="en-US"/>
           </a:p>
@@ -3171,7 +3171,7 @@
           <a:p>
             <a:fld id="{36B80835-DEB3-4275-B379-2566D87801AD}" type="datetimeFigureOut">
               <a:rPr lang="en-US" smtClean="0"/>
-              <a:t>11/4/2024</a:t>
+              <a:t>14-Dec-24</a:t>
             </a:fld>
             <a:endParaRPr lang="en-US"/>
           </a:p>
@@ -3418,7 +3418,7 @@
           <a:p>
             <a:fld id="{36B80835-DEB3-4275-B379-2566D87801AD}" type="datetimeFigureOut">
               <a:rPr lang="en-US" smtClean="0"/>
-              <a:t>11/4/2024</a:t>
+              <a:t>14-Dec-24</a:t>
             </a:fld>
             <a:endParaRPr lang="en-US"/>
           </a:p>
@@ -3581,7 +3581,7 @@
           <a:p>
             <a:fld id="{36B80835-DEB3-4275-B379-2566D87801AD}" type="datetimeFigureOut">
               <a:rPr lang="en-US" smtClean="0"/>
-              <a:t>11/4/2024</a:t>
+              <a:t>14-Dec-24</a:t>
             </a:fld>
             <a:endParaRPr lang="en-US"/>
           </a:p>
@@ -3754,7 +3754,7 @@
           <a:p>
             <a:fld id="{36B80835-DEB3-4275-B379-2566D87801AD}" type="datetimeFigureOut">
               <a:rPr lang="en-US" smtClean="0"/>
-              <a:t>11/4/2024</a:t>
+              <a:t>14-Dec-24</a:t>
             </a:fld>
             <a:endParaRPr lang="en-US"/>
           </a:p>
@@ -3939,7 +3939,7 @@
           <a:p>
             <a:fld id="{4EF95999-A99C-46D6-BFDA-AEFA180EA74F}" type="datetimeFigureOut">
               <a:rPr lang="en-US" smtClean="0"/>
-              <a:t>11/4/2024</a:t>
+              <a:t>14-Dec-24</a:t>
             </a:fld>
             <a:endParaRPr lang="en-US"/>
           </a:p>
@@ -4102,7 +4102,7 @@
           <a:p>
             <a:fld id="{4EF95999-A99C-46D6-BFDA-AEFA180EA74F}" type="datetimeFigureOut">
               <a:rPr lang="en-US" smtClean="0"/>
-              <a:t>11/4/2024</a:t>
+              <a:t>14-Dec-24</a:t>
             </a:fld>
             <a:endParaRPr lang="en-US"/>
           </a:p>
@@ -4342,7 +4342,7 @@
           <a:p>
             <a:fld id="{4EF95999-A99C-46D6-BFDA-AEFA180EA74F}" type="datetimeFigureOut">
               <a:rPr lang="en-US" smtClean="0"/>
-              <a:t>11/4/2024</a:t>
+              <a:t>14-Dec-24</a:t>
             </a:fld>
             <a:endParaRPr lang="en-US"/>
           </a:p>
@@ -4566,7 +4566,7 @@
           <a:p>
             <a:fld id="{4EF95999-A99C-46D6-BFDA-AEFA180EA74F}" type="datetimeFigureOut">
               <a:rPr lang="en-US" smtClean="0"/>
-              <a:t>11/4/2024</a:t>
+              <a:t>14-Dec-24</a:t>
             </a:fld>
             <a:endParaRPr lang="en-US"/>
           </a:p>
@@ -4925,7 +4925,7 @@
           <a:p>
             <a:fld id="{4EF95999-A99C-46D6-BFDA-AEFA180EA74F}" type="datetimeFigureOut">
               <a:rPr lang="en-US" smtClean="0"/>
-              <a:t>11/4/2024</a:t>
+              <a:t>14-Dec-24</a:t>
             </a:fld>
             <a:endParaRPr lang="en-US"/>
           </a:p>
@@ -5037,7 +5037,7 @@
           <a:p>
             <a:fld id="{4EF95999-A99C-46D6-BFDA-AEFA180EA74F}" type="datetimeFigureOut">
               <a:rPr lang="en-US" smtClean="0"/>
-              <a:t>11/4/2024</a:t>
+              <a:t>14-Dec-24</a:t>
             </a:fld>
             <a:endParaRPr lang="en-US"/>
           </a:p>
@@ -5277,7 +5277,7 @@
           <a:p>
             <a:fld id="{4EF95999-A99C-46D6-BFDA-AEFA180EA74F}" type="datetimeFigureOut">
               <a:rPr lang="en-US" smtClean="0"/>
-              <a:t>11/4/2024</a:t>
+              <a:t>14-Dec-24</a:t>
             </a:fld>
             <a:endParaRPr lang="en-US"/>
           </a:p>
@@ -5367,7 +5367,7 @@
           <a:p>
             <a:fld id="{4EF95999-A99C-46D6-BFDA-AEFA180EA74F}" type="datetimeFigureOut">
               <a:rPr lang="en-US" smtClean="0"/>
-              <a:t>11/4/2024</a:t>
+              <a:t>14-Dec-24</a:t>
             </a:fld>
             <a:endParaRPr lang="en-US"/>
           </a:p>
@@ -5637,7 +5637,7 @@
           <a:p>
             <a:fld id="{4EF95999-A99C-46D6-BFDA-AEFA180EA74F}" type="datetimeFigureOut">
               <a:rPr lang="en-US" smtClean="0"/>
-              <a:t>11/4/2024</a:t>
+              <a:t>14-Dec-24</a:t>
             </a:fld>
             <a:endParaRPr lang="en-US"/>
           </a:p>
@@ -5884,7 +5884,7 @@
           <a:p>
             <a:fld id="{4EF95999-A99C-46D6-BFDA-AEFA180EA74F}" type="datetimeFigureOut">
               <a:rPr lang="en-US" smtClean="0"/>
-              <a:t>11/4/2024</a:t>
+              <a:t>14-Dec-24</a:t>
             </a:fld>
             <a:endParaRPr lang="en-US"/>
           </a:p>
@@ -6047,7 +6047,7 @@
           <a:p>
             <a:fld id="{4EF95999-A99C-46D6-BFDA-AEFA180EA74F}" type="datetimeFigureOut">
               <a:rPr lang="en-US" smtClean="0"/>
-              <a:t>11/4/2024</a:t>
+              <a:t>14-Dec-24</a:t>
             </a:fld>
             <a:endParaRPr lang="en-US"/>
           </a:p>
@@ -6220,7 +6220,7 @@
           <a:p>
             <a:fld id="{4EF95999-A99C-46D6-BFDA-AEFA180EA74F}" type="datetimeFigureOut">
               <a:rPr lang="en-US" smtClean="0"/>
-              <a:t>11/4/2024</a:t>
+              <a:t>14-Dec-24</a:t>
             </a:fld>
             <a:endParaRPr lang="en-US"/>
           </a:p>
@@ -6389,7 +6389,7 @@
           <a:p>
             <a:fld id="{EC281ACE-890E-4B55-88CA-A440D73ED3A3}" type="datetimeFigureOut">
               <a:rPr lang="en-US" smtClean="0"/>
-              <a:t>11/4/2024</a:t>
+              <a:t>14-Dec-24</a:t>
             </a:fld>
             <a:endParaRPr lang="en-US"/>
           </a:p>
@@ -6607,7 +6607,7 @@
           <a:p>
             <a:fld id="{4EF95999-A99C-46D6-BFDA-AEFA180EA74F}" type="datetimeFigureOut">
               <a:rPr lang="en-US" smtClean="0"/>
-              <a:t>11/4/2024</a:t>
+              <a:t>14-Dec-24</a:t>
             </a:fld>
             <a:endParaRPr lang="en-US"/>
           </a:p>
@@ -6777,7 +6777,7 @@
           <a:p>
             <a:fld id="{4EF95999-A99C-46D6-BFDA-AEFA180EA74F}" type="datetimeFigureOut">
               <a:rPr lang="en-US" smtClean="0"/>
-              <a:t>11/4/2024</a:t>
+              <a:t>14-Dec-24</a:t>
             </a:fld>
             <a:endParaRPr lang="en-US"/>
           </a:p>
@@ -7023,7 +7023,7 @@
           <a:p>
             <a:fld id="{4EF95999-A99C-46D6-BFDA-AEFA180EA74F}" type="datetimeFigureOut">
               <a:rPr lang="en-US" smtClean="0"/>
-              <a:t>11/4/2024</a:t>
+              <a:t>14-Dec-24</a:t>
             </a:fld>
             <a:endParaRPr lang="en-US"/>
           </a:p>
@@ -7255,7 +7255,7 @@
           <a:p>
             <a:fld id="{4EF95999-A99C-46D6-BFDA-AEFA180EA74F}" type="datetimeFigureOut">
               <a:rPr lang="en-US" smtClean="0"/>
-              <a:t>11/4/2024</a:t>
+              <a:t>14-Dec-24</a:t>
             </a:fld>
             <a:endParaRPr lang="en-US"/>
           </a:p>
@@ -7484,7 +7484,7 @@
           <a:p>
             <a:fld id="{4EF95999-A99C-46D6-BFDA-AEFA180EA74F}" type="datetimeFigureOut">
               <a:rPr lang="en-US" smtClean="0"/>
-              <a:t>11/4/2024</a:t>
+              <a:t>14-Dec-24</a:t>
             </a:fld>
             <a:endParaRPr lang="en-US"/>
           </a:p>
@@ -7846,7 +7846,7 @@
           <a:p>
             <a:fld id="{4EF95999-A99C-46D6-BFDA-AEFA180EA74F}" type="datetimeFigureOut">
               <a:rPr lang="en-US" smtClean="0"/>
-              <a:t>11/4/2024</a:t>
+              <a:t>14-Dec-24</a:t>
             </a:fld>
             <a:endParaRPr lang="en-US"/>
           </a:p>
@@ -7964,7 +7964,7 @@
           <a:p>
             <a:fld id="{4EF95999-A99C-46D6-BFDA-AEFA180EA74F}" type="datetimeFigureOut">
               <a:rPr lang="en-US" smtClean="0"/>
-              <a:t>11/4/2024</a:t>
+              <a:t>14-Dec-24</a:t>
             </a:fld>
             <a:endParaRPr lang="en-US"/>
           </a:p>
@@ -8059,7 +8059,7 @@
           <a:p>
             <a:fld id="{4EF95999-A99C-46D6-BFDA-AEFA180EA74F}" type="datetimeFigureOut">
               <a:rPr lang="en-US" smtClean="0"/>
-              <a:t>11/4/2024</a:t>
+              <a:t>14-Dec-24</a:t>
             </a:fld>
             <a:endParaRPr lang="en-US"/>
           </a:p>
@@ -8336,7 +8336,7 @@
           <a:p>
             <a:fld id="{4EF95999-A99C-46D6-BFDA-AEFA180EA74F}" type="datetimeFigureOut">
               <a:rPr lang="en-US" smtClean="0"/>
-              <a:t>11/4/2024</a:t>
+              <a:t>14-Dec-24</a:t>
             </a:fld>
             <a:endParaRPr lang="en-US"/>
           </a:p>
@@ -8593,7 +8593,7 @@
           <a:p>
             <a:fld id="{4EF95999-A99C-46D6-BFDA-AEFA180EA74F}" type="datetimeFigureOut">
               <a:rPr lang="en-US" smtClean="0"/>
-              <a:t>11/4/2024</a:t>
+              <a:t>14-Dec-24</a:t>
             </a:fld>
             <a:endParaRPr lang="en-US"/>
           </a:p>
@@ -8763,7 +8763,7 @@
           <a:p>
             <a:fld id="{4EF95999-A99C-46D6-BFDA-AEFA180EA74F}" type="datetimeFigureOut">
               <a:rPr lang="en-US" smtClean="0"/>
-              <a:t>11/4/2024</a:t>
+              <a:t>14-Dec-24</a:t>
             </a:fld>
             <a:endParaRPr lang="en-US"/>
           </a:p>
@@ -8943,7 +8943,7 @@
           <a:p>
             <a:fld id="{4EF95999-A99C-46D6-BFDA-AEFA180EA74F}" type="datetimeFigureOut">
               <a:rPr lang="en-US" smtClean="0"/>
-              <a:t>11/4/2024</a:t>
+              <a:t>14-Dec-24</a:t>
             </a:fld>
             <a:endParaRPr lang="en-US"/>
           </a:p>
@@ -9307,7 +9307,7 @@
           <a:p>
             <a:fld id="{4EF95999-A99C-46D6-BFDA-AEFA180EA74F}" type="datetimeFigureOut">
               <a:rPr lang="en-US" smtClean="0"/>
-              <a:t>11/4/2024</a:t>
+              <a:t>14-Dec-24</a:t>
             </a:fld>
             <a:endParaRPr lang="en-US"/>
           </a:p>
@@ -9419,7 +9419,7 @@
           <a:p>
             <a:fld id="{4EF95999-A99C-46D6-BFDA-AEFA180EA74F}" type="datetimeFigureOut">
               <a:rPr lang="en-US" smtClean="0"/>
-              <a:t>11/4/2024</a:t>
+              <a:t>14-Dec-24</a:t>
             </a:fld>
             <a:endParaRPr lang="en-US"/>
           </a:p>
@@ -9509,7 +9509,7 @@
           <a:p>
             <a:fld id="{4EF95999-A99C-46D6-BFDA-AEFA180EA74F}" type="datetimeFigureOut">
               <a:rPr lang="en-US" smtClean="0"/>
-              <a:t>11/4/2024</a:t>
+              <a:t>14-Dec-24</a:t>
             </a:fld>
             <a:endParaRPr lang="en-US"/>
           </a:p>
@@ -9779,7 +9779,7 @@
           <a:p>
             <a:fld id="{4EF95999-A99C-46D6-BFDA-AEFA180EA74F}" type="datetimeFigureOut">
               <a:rPr lang="en-US" smtClean="0"/>
-              <a:t>11/4/2024</a:t>
+              <a:t>14-Dec-24</a:t>
             </a:fld>
             <a:endParaRPr lang="en-US"/>
           </a:p>
@@ -10026,7 +10026,7 @@
           <a:p>
             <a:fld id="{4EF95999-A99C-46D6-BFDA-AEFA180EA74F}" type="datetimeFigureOut">
               <a:rPr lang="en-US" smtClean="0"/>
-              <a:t>11/4/2024</a:t>
+              <a:t>14-Dec-24</a:t>
             </a:fld>
             <a:endParaRPr lang="en-US"/>
           </a:p>
@@ -10233,7 +10233,7 @@
           <a:p>
             <a:fld id="{4EF95999-A99C-46D6-BFDA-AEFA180EA74F}" type="datetimeFigureOut">
               <a:rPr lang="en-US" smtClean="0"/>
-              <a:t>11/4/2024</a:t>
+              <a:t>14-Dec-24</a:t>
             </a:fld>
             <a:endParaRPr lang="en-US"/>
           </a:p>
@@ -10770,7 +10770,7 @@
           <a:p>
             <a:fld id="{36B80835-DEB3-4275-B379-2566D87801AD}" type="datetimeFigureOut">
               <a:rPr lang="en-US" smtClean="0"/>
-              <a:t>11/4/2024</a:t>
+              <a:t>14-Dec-24</a:t>
             </a:fld>
             <a:endParaRPr lang="en-US"/>
           </a:p>
@@ -11306,7 +11306,7 @@
           <a:p>
             <a:fld id="{4EF95999-A99C-46D6-BFDA-AEFA180EA74F}" type="datetimeFigureOut">
               <a:rPr lang="en-US" smtClean="0"/>
-              <a:t>11/4/2024</a:t>
+              <a:t>14-Dec-24</a:t>
             </a:fld>
             <a:endParaRPr lang="en-US"/>
           </a:p>
@@ -11844,7 +11844,7 @@
           <a:p>
             <a:fld id="{4EF95999-A99C-46D6-BFDA-AEFA180EA74F}" type="datetimeFigureOut">
               <a:rPr lang="en-US" smtClean="0"/>
-              <a:t>11/4/2024</a:t>
+              <a:t>14-Dec-24</a:t>
             </a:fld>
             <a:endParaRPr lang="en-US"/>
           </a:p>
@@ -27342,13 +27342,25 @@
               <a:rPr lang="en-US" sz="1800" b="0" i="0" u="none" strike="noStrike" baseline="0" dirty="0">
                 <a:latin typeface="URWPalladioL-Roma"/>
               </a:rPr>
-              <a:t>The Zigbee radio communication is designed for enabling wireless personal area</a:t>
+              <a:t>The Zigbee radio communication </a:t>
+            </a:r>
+            <a:r>
+              <a:rPr lang="en-US" sz="1800" b="0" i="0" u="none" strike="noStrike" baseline="0" dirty="0">
+                <a:highlight>
+                  <a:srgbClr val="FFFF00"/>
+                </a:highlight>
+                <a:latin typeface="URWPalladioL-Roma"/>
+              </a:rPr>
+              <a:t>is designed for enabling wireless personal area</a:t>
             </a:r>
           </a:p>
           <a:p>
             <a:pPr algn="l"/>
             <a:r>
               <a:rPr lang="en-US" sz="1800" b="0" i="0" u="none" strike="noStrike" baseline="0" dirty="0">
+                <a:highlight>
+                  <a:srgbClr val="FFFF00"/>
+                </a:highlight>
                 <a:latin typeface="URWPalladioL-Roma"/>
               </a:rPr>
               <a:t>networks (WPANs).</a:t>
@@ -27366,7 +27378,22 @@
               <a:rPr lang="en-US" sz="1800" b="0" i="0" u="none" strike="noStrike" baseline="0" dirty="0">
                 <a:latin typeface="URWPalladioL-Roma"/>
               </a:rPr>
-              <a:t> It uses the IEEE 802.15.4 standard for defining its physical and medium access control (layers 1 and 2 of the OSI stack). Zigbee finds common usage in sensor and control networks [4].</a:t>
+              <a:t> It uses the </a:t>
+            </a:r>
+            <a:r>
+              <a:rPr lang="en-US" sz="1800" b="0" i="0" u="none" strike="noStrike" baseline="0" dirty="0">
+                <a:highlight>
+                  <a:srgbClr val="FFFF00"/>
+                </a:highlight>
+                <a:latin typeface="URWPalladioL-Roma"/>
+              </a:rPr>
+              <a:t>IEEE 802.15.4 standard for defining its physical and medium access control (layers 1 and 2 of the OSI stack). </a:t>
+            </a:r>
+            <a:r>
+              <a:rPr lang="en-US" sz="1800" b="0" i="0" u="none" strike="noStrike" baseline="0" dirty="0">
+                <a:latin typeface="URWPalladioL-Roma"/>
+              </a:rPr>
+              <a:t>Zigbee finds common usage in sensor and control networks [4].</a:t>
             </a:r>
             <a:endParaRPr lang="en-IN" dirty="0"/>
           </a:p>

--- a/21 Schema Notes/Internet of Things/Module 4/Module4PPT.pptx
+++ b/21 Schema Notes/Internet of Things/Module 4/Module4PPT.pptx
@@ -251,7 +251,7 @@
               <a:rPr lang="en-US" smtClean="0">
                 <a:latin typeface="Futura Cyrillic Book" panose="020B0502020204020303" charset="0"/>
               </a:rPr>
-              <a:t>14-Dec-24</a:t>
+              <a:t>13-Jan-25</a:t>
             </a:fld>
             <a:endParaRPr lang="en-US">
               <a:latin typeface="Futura Cyrillic Book" panose="020B0502020204020303" charset="0"/>
@@ -428,7 +428,7 @@
           <a:p>
             <a:fld id="{0ECD8AD1-49EC-45F2-A2FF-1FE3195688C5}" type="datetimeFigureOut">
               <a:rPr lang="en-IN" smtClean="0"/>
-              <a:t>14-12-2024</a:t>
+              <a:t>13-01-2025</a:t>
             </a:fld>
             <a:endParaRPr lang="en-IN"/>
           </a:p>
@@ -829,7 +829,7 @@
           <a:p>
             <a:fld id="{4EF95999-A99C-46D6-BFDA-AEFA180EA74F}" type="datetimeFigureOut">
               <a:rPr lang="en-US" smtClean="0"/>
-              <a:t>14-Dec-24</a:t>
+              <a:t>13-Jan-25</a:t>
             </a:fld>
             <a:endParaRPr lang="en-US"/>
           </a:p>
@@ -992,7 +992,7 @@
           <a:p>
             <a:fld id="{4EF95999-A99C-46D6-BFDA-AEFA180EA74F}" type="datetimeFigureOut">
               <a:rPr lang="en-US" smtClean="0"/>
-              <a:t>14-Dec-24</a:t>
+              <a:t>13-Jan-25</a:t>
             </a:fld>
             <a:endParaRPr lang="en-US"/>
           </a:p>
@@ -1165,7 +1165,7 @@
           <a:p>
             <a:fld id="{4EF95999-A99C-46D6-BFDA-AEFA180EA74F}" type="datetimeFigureOut">
               <a:rPr lang="en-US" smtClean="0"/>
-              <a:t>14-Dec-24</a:t>
+              <a:t>13-Jan-25</a:t>
             </a:fld>
             <a:endParaRPr lang="en-US"/>
           </a:p>
@@ -1334,7 +1334,7 @@
           <a:p>
             <a:fld id="{EC281ACE-890E-4B55-88CA-A440D73ED3A3}" type="datetimeFigureOut">
               <a:rPr lang="en-US" smtClean="0"/>
-              <a:t>14-Dec-24</a:t>
+              <a:t>13-Jan-25</a:t>
             </a:fld>
             <a:endParaRPr lang="en-US"/>
           </a:p>
@@ -1550,7 +1550,7 @@
           <a:p>
             <a:fld id="{36B80835-DEB3-4275-B379-2566D87801AD}" type="datetimeFigureOut">
               <a:rPr lang="en-US" smtClean="0"/>
-              <a:t>14-Dec-24</a:t>
+              <a:t>13-Jan-25</a:t>
             </a:fld>
             <a:endParaRPr lang="en-US"/>
           </a:p>
@@ -1713,7 +1713,7 @@
           <a:p>
             <a:fld id="{36B80835-DEB3-4275-B379-2566D87801AD}" type="datetimeFigureOut">
               <a:rPr lang="en-US" smtClean="0"/>
-              <a:t>14-Dec-24</a:t>
+              <a:t>13-Jan-25</a:t>
             </a:fld>
             <a:endParaRPr lang="en-US"/>
           </a:p>
@@ -1953,7 +1953,7 @@
           <a:p>
             <a:fld id="{36B80835-DEB3-4275-B379-2566D87801AD}" type="datetimeFigureOut">
               <a:rPr lang="en-US" smtClean="0"/>
-              <a:t>14-Dec-24</a:t>
+              <a:t>13-Jan-25</a:t>
             </a:fld>
             <a:endParaRPr lang="en-US"/>
           </a:p>
@@ -2177,7 +2177,7 @@
           <a:p>
             <a:fld id="{36B80835-DEB3-4275-B379-2566D87801AD}" type="datetimeFigureOut">
               <a:rPr lang="en-US" smtClean="0"/>
-              <a:t>14-Dec-24</a:t>
+              <a:t>13-Jan-25</a:t>
             </a:fld>
             <a:endParaRPr lang="en-US"/>
           </a:p>
@@ -2536,7 +2536,7 @@
           <a:p>
             <a:fld id="{36B80835-DEB3-4275-B379-2566D87801AD}" type="datetimeFigureOut">
               <a:rPr lang="en-US" smtClean="0"/>
-              <a:t>14-Dec-24</a:t>
+              <a:t>13-Jan-25</a:t>
             </a:fld>
             <a:endParaRPr lang="en-US"/>
           </a:p>
@@ -2648,7 +2648,7 @@
           <a:p>
             <a:fld id="{36B80835-DEB3-4275-B379-2566D87801AD}" type="datetimeFigureOut">
               <a:rPr lang="en-US" smtClean="0"/>
-              <a:t>14-Dec-24</a:t>
+              <a:t>13-Jan-25</a:t>
             </a:fld>
             <a:endParaRPr lang="en-US"/>
           </a:p>
@@ -2738,7 +2738,7 @@
           <a:p>
             <a:fld id="{36B80835-DEB3-4275-B379-2566D87801AD}" type="datetimeFigureOut">
               <a:rPr lang="en-US" smtClean="0"/>
-              <a:t>14-Dec-24</a:t>
+              <a:t>13-Jan-25</a:t>
             </a:fld>
             <a:endParaRPr lang="en-US"/>
           </a:p>
@@ -2901,7 +2901,7 @@
           <a:p>
             <a:fld id="{4EF95999-A99C-46D6-BFDA-AEFA180EA74F}" type="datetimeFigureOut">
               <a:rPr lang="en-US" smtClean="0"/>
-              <a:t>14-Dec-24</a:t>
+              <a:t>13-Jan-25</a:t>
             </a:fld>
             <a:endParaRPr lang="en-US"/>
           </a:p>
@@ -3171,7 +3171,7 @@
           <a:p>
             <a:fld id="{36B80835-DEB3-4275-B379-2566D87801AD}" type="datetimeFigureOut">
               <a:rPr lang="en-US" smtClean="0"/>
-              <a:t>14-Dec-24</a:t>
+              <a:t>13-Jan-25</a:t>
             </a:fld>
             <a:endParaRPr lang="en-US"/>
           </a:p>
@@ -3418,7 +3418,7 @@
           <a:p>
             <a:fld id="{36B80835-DEB3-4275-B379-2566D87801AD}" type="datetimeFigureOut">
               <a:rPr lang="en-US" smtClean="0"/>
-              <a:t>14-Dec-24</a:t>
+              <a:t>13-Jan-25</a:t>
             </a:fld>
             <a:endParaRPr lang="en-US"/>
           </a:p>
@@ -3581,7 +3581,7 @@
           <a:p>
             <a:fld id="{36B80835-DEB3-4275-B379-2566D87801AD}" type="datetimeFigureOut">
               <a:rPr lang="en-US" smtClean="0"/>
-              <a:t>14-Dec-24</a:t>
+              <a:t>13-Jan-25</a:t>
             </a:fld>
             <a:endParaRPr lang="en-US"/>
           </a:p>
@@ -3754,7 +3754,7 @@
           <a:p>
             <a:fld id="{36B80835-DEB3-4275-B379-2566D87801AD}" type="datetimeFigureOut">
               <a:rPr lang="en-US" smtClean="0"/>
-              <a:t>14-Dec-24</a:t>
+              <a:t>13-Jan-25</a:t>
             </a:fld>
             <a:endParaRPr lang="en-US"/>
           </a:p>
@@ -3939,7 +3939,7 @@
           <a:p>
             <a:fld id="{4EF95999-A99C-46D6-BFDA-AEFA180EA74F}" type="datetimeFigureOut">
               <a:rPr lang="en-US" smtClean="0"/>
-              <a:t>14-Dec-24</a:t>
+              <a:t>13-Jan-25</a:t>
             </a:fld>
             <a:endParaRPr lang="en-US"/>
           </a:p>
@@ -4102,7 +4102,7 @@
           <a:p>
             <a:fld id="{4EF95999-A99C-46D6-BFDA-AEFA180EA74F}" type="datetimeFigureOut">
               <a:rPr lang="en-US" smtClean="0"/>
-              <a:t>14-Dec-24</a:t>
+              <a:t>13-Jan-25</a:t>
             </a:fld>
             <a:endParaRPr lang="en-US"/>
           </a:p>
@@ -4342,7 +4342,7 @@
           <a:p>
             <a:fld id="{4EF95999-A99C-46D6-BFDA-AEFA180EA74F}" type="datetimeFigureOut">
               <a:rPr lang="en-US" smtClean="0"/>
-              <a:t>14-Dec-24</a:t>
+              <a:t>13-Jan-25</a:t>
             </a:fld>
             <a:endParaRPr lang="en-US"/>
           </a:p>
@@ -4566,7 +4566,7 @@
           <a:p>
             <a:fld id="{4EF95999-A99C-46D6-BFDA-AEFA180EA74F}" type="datetimeFigureOut">
               <a:rPr lang="en-US" smtClean="0"/>
-              <a:t>14-Dec-24</a:t>
+              <a:t>13-Jan-25</a:t>
             </a:fld>
             <a:endParaRPr lang="en-US"/>
           </a:p>
@@ -4925,7 +4925,7 @@
           <a:p>
             <a:fld id="{4EF95999-A99C-46D6-BFDA-AEFA180EA74F}" type="datetimeFigureOut">
               <a:rPr lang="en-US" smtClean="0"/>
-              <a:t>14-Dec-24</a:t>
+              <a:t>13-Jan-25</a:t>
             </a:fld>
             <a:endParaRPr lang="en-US"/>
           </a:p>
@@ -5037,7 +5037,7 @@
           <a:p>
             <a:fld id="{4EF95999-A99C-46D6-BFDA-AEFA180EA74F}" type="datetimeFigureOut">
               <a:rPr lang="en-US" smtClean="0"/>
-              <a:t>14-Dec-24</a:t>
+              <a:t>13-Jan-25</a:t>
             </a:fld>
             <a:endParaRPr lang="en-US"/>
           </a:p>
@@ -5277,7 +5277,7 @@
           <a:p>
             <a:fld id="{4EF95999-A99C-46D6-BFDA-AEFA180EA74F}" type="datetimeFigureOut">
               <a:rPr lang="en-US" smtClean="0"/>
-              <a:t>14-Dec-24</a:t>
+              <a:t>13-Jan-25</a:t>
             </a:fld>
             <a:endParaRPr lang="en-US"/>
           </a:p>
@@ -5367,7 +5367,7 @@
           <a:p>
             <a:fld id="{4EF95999-A99C-46D6-BFDA-AEFA180EA74F}" type="datetimeFigureOut">
               <a:rPr lang="en-US" smtClean="0"/>
-              <a:t>14-Dec-24</a:t>
+              <a:t>13-Jan-25</a:t>
             </a:fld>
             <a:endParaRPr lang="en-US"/>
           </a:p>
@@ -5637,7 +5637,7 @@
           <a:p>
             <a:fld id="{4EF95999-A99C-46D6-BFDA-AEFA180EA74F}" type="datetimeFigureOut">
               <a:rPr lang="en-US" smtClean="0"/>
-              <a:t>14-Dec-24</a:t>
+              <a:t>13-Jan-25</a:t>
             </a:fld>
             <a:endParaRPr lang="en-US"/>
           </a:p>
@@ -5884,7 +5884,7 @@
           <a:p>
             <a:fld id="{4EF95999-A99C-46D6-BFDA-AEFA180EA74F}" type="datetimeFigureOut">
               <a:rPr lang="en-US" smtClean="0"/>
-              <a:t>14-Dec-24</a:t>
+              <a:t>13-Jan-25</a:t>
             </a:fld>
             <a:endParaRPr lang="en-US"/>
           </a:p>
@@ -6047,7 +6047,7 @@
           <a:p>
             <a:fld id="{4EF95999-A99C-46D6-BFDA-AEFA180EA74F}" type="datetimeFigureOut">
               <a:rPr lang="en-US" smtClean="0"/>
-              <a:t>14-Dec-24</a:t>
+              <a:t>13-Jan-25</a:t>
             </a:fld>
             <a:endParaRPr lang="en-US"/>
           </a:p>
@@ -6220,7 +6220,7 @@
           <a:p>
             <a:fld id="{4EF95999-A99C-46D6-BFDA-AEFA180EA74F}" type="datetimeFigureOut">
               <a:rPr lang="en-US" smtClean="0"/>
-              <a:t>14-Dec-24</a:t>
+              <a:t>13-Jan-25</a:t>
             </a:fld>
             <a:endParaRPr lang="en-US"/>
           </a:p>
@@ -6389,7 +6389,7 @@
           <a:p>
             <a:fld id="{EC281ACE-890E-4B55-88CA-A440D73ED3A3}" type="datetimeFigureOut">
               <a:rPr lang="en-US" smtClean="0"/>
-              <a:t>14-Dec-24</a:t>
+              <a:t>13-Jan-25</a:t>
             </a:fld>
             <a:endParaRPr lang="en-US"/>
           </a:p>
@@ -6607,7 +6607,7 @@
           <a:p>
             <a:fld id="{4EF95999-A99C-46D6-BFDA-AEFA180EA74F}" type="datetimeFigureOut">
               <a:rPr lang="en-US" smtClean="0"/>
-              <a:t>14-Dec-24</a:t>
+              <a:t>13-Jan-25</a:t>
             </a:fld>
             <a:endParaRPr lang="en-US"/>
           </a:p>
@@ -6777,7 +6777,7 @@
           <a:p>
             <a:fld id="{4EF95999-A99C-46D6-BFDA-AEFA180EA74F}" type="datetimeFigureOut">
               <a:rPr lang="en-US" smtClean="0"/>
-              <a:t>14-Dec-24</a:t>
+              <a:t>13-Jan-25</a:t>
             </a:fld>
             <a:endParaRPr lang="en-US"/>
           </a:p>
@@ -7023,7 +7023,7 @@
           <a:p>
             <a:fld id="{4EF95999-A99C-46D6-BFDA-AEFA180EA74F}" type="datetimeFigureOut">
               <a:rPr lang="en-US" smtClean="0"/>
-              <a:t>14-Dec-24</a:t>
+              <a:t>13-Jan-25</a:t>
             </a:fld>
             <a:endParaRPr lang="en-US"/>
           </a:p>
@@ -7255,7 +7255,7 @@
           <a:p>
             <a:fld id="{4EF95999-A99C-46D6-BFDA-AEFA180EA74F}" type="datetimeFigureOut">
               <a:rPr lang="en-US" smtClean="0"/>
-              <a:t>14-Dec-24</a:t>
+              <a:t>13-Jan-25</a:t>
             </a:fld>
             <a:endParaRPr lang="en-US"/>
           </a:p>
@@ -7484,7 +7484,7 @@
           <a:p>
             <a:fld id="{4EF95999-A99C-46D6-BFDA-AEFA180EA74F}" type="datetimeFigureOut">
               <a:rPr lang="en-US" smtClean="0"/>
-              <a:t>14-Dec-24</a:t>
+              <a:t>13-Jan-25</a:t>
             </a:fld>
             <a:endParaRPr lang="en-US"/>
           </a:p>
@@ -7846,7 +7846,7 @@
           <a:p>
             <a:fld id="{4EF95999-A99C-46D6-BFDA-AEFA180EA74F}" type="datetimeFigureOut">
               <a:rPr lang="en-US" smtClean="0"/>
-              <a:t>14-Dec-24</a:t>
+              <a:t>13-Jan-25</a:t>
             </a:fld>
             <a:endParaRPr lang="en-US"/>
           </a:p>
@@ -7964,7 +7964,7 @@
           <a:p>
             <a:fld id="{4EF95999-A99C-46D6-BFDA-AEFA180EA74F}" type="datetimeFigureOut">
               <a:rPr lang="en-US" smtClean="0"/>
-              <a:t>14-Dec-24</a:t>
+              <a:t>13-Jan-25</a:t>
             </a:fld>
             <a:endParaRPr lang="en-US"/>
           </a:p>
@@ -8059,7 +8059,7 @@
           <a:p>
             <a:fld id="{4EF95999-A99C-46D6-BFDA-AEFA180EA74F}" type="datetimeFigureOut">
               <a:rPr lang="en-US" smtClean="0"/>
-              <a:t>14-Dec-24</a:t>
+              <a:t>13-Jan-25</a:t>
             </a:fld>
             <a:endParaRPr lang="en-US"/>
           </a:p>
@@ -8336,7 +8336,7 @@
           <a:p>
             <a:fld id="{4EF95999-A99C-46D6-BFDA-AEFA180EA74F}" type="datetimeFigureOut">
               <a:rPr lang="en-US" smtClean="0"/>
-              <a:t>14-Dec-24</a:t>
+              <a:t>13-Jan-25</a:t>
             </a:fld>
             <a:endParaRPr lang="en-US"/>
           </a:p>
@@ -8593,7 +8593,7 @@
           <a:p>
             <a:fld id="{4EF95999-A99C-46D6-BFDA-AEFA180EA74F}" type="datetimeFigureOut">
               <a:rPr lang="en-US" smtClean="0"/>
-              <a:t>14-Dec-24</a:t>
+              <a:t>13-Jan-25</a:t>
             </a:fld>
             <a:endParaRPr lang="en-US"/>
           </a:p>
@@ -8763,7 +8763,7 @@
           <a:p>
             <a:fld id="{4EF95999-A99C-46D6-BFDA-AEFA180EA74F}" type="datetimeFigureOut">
               <a:rPr lang="en-US" smtClean="0"/>
-              <a:t>14-Dec-24</a:t>
+              <a:t>13-Jan-25</a:t>
             </a:fld>
             <a:endParaRPr lang="en-US"/>
           </a:p>
@@ -8943,7 +8943,7 @@
           <a:p>
             <a:fld id="{4EF95999-A99C-46D6-BFDA-AEFA180EA74F}" type="datetimeFigureOut">
               <a:rPr lang="en-US" smtClean="0"/>
-              <a:t>14-Dec-24</a:t>
+              <a:t>13-Jan-25</a:t>
             </a:fld>
             <a:endParaRPr lang="en-US"/>
           </a:p>
@@ -9307,7 +9307,7 @@
           <a:p>
             <a:fld id="{4EF95999-A99C-46D6-BFDA-AEFA180EA74F}" type="datetimeFigureOut">
               <a:rPr lang="en-US" smtClean="0"/>
-              <a:t>14-Dec-24</a:t>
+              <a:t>13-Jan-25</a:t>
             </a:fld>
             <a:endParaRPr lang="en-US"/>
           </a:p>
@@ -9419,7 +9419,7 @@
           <a:p>
             <a:fld id="{4EF95999-A99C-46D6-BFDA-AEFA180EA74F}" type="datetimeFigureOut">
               <a:rPr lang="en-US" smtClean="0"/>
-              <a:t>14-Dec-24</a:t>
+              <a:t>13-Jan-25</a:t>
             </a:fld>
             <a:endParaRPr lang="en-US"/>
           </a:p>
@@ -9509,7 +9509,7 @@
           <a:p>
             <a:fld id="{4EF95999-A99C-46D6-BFDA-AEFA180EA74F}" type="datetimeFigureOut">
               <a:rPr lang="en-US" smtClean="0"/>
-              <a:t>14-Dec-24</a:t>
+              <a:t>13-Jan-25</a:t>
             </a:fld>
             <a:endParaRPr lang="en-US"/>
           </a:p>
@@ -9779,7 +9779,7 @@
           <a:p>
             <a:fld id="{4EF95999-A99C-46D6-BFDA-AEFA180EA74F}" type="datetimeFigureOut">
               <a:rPr lang="en-US" smtClean="0"/>
-              <a:t>14-Dec-24</a:t>
+              <a:t>13-Jan-25</a:t>
             </a:fld>
             <a:endParaRPr lang="en-US"/>
           </a:p>
@@ -10026,7 +10026,7 @@
           <a:p>
             <a:fld id="{4EF95999-A99C-46D6-BFDA-AEFA180EA74F}" type="datetimeFigureOut">
               <a:rPr lang="en-US" smtClean="0"/>
-              <a:t>14-Dec-24</a:t>
+              <a:t>13-Jan-25</a:t>
             </a:fld>
             <a:endParaRPr lang="en-US"/>
           </a:p>
@@ -10233,7 +10233,7 @@
           <a:p>
             <a:fld id="{4EF95999-A99C-46D6-BFDA-AEFA180EA74F}" type="datetimeFigureOut">
               <a:rPr lang="en-US" smtClean="0"/>
-              <a:t>14-Dec-24</a:t>
+              <a:t>13-Jan-25</a:t>
             </a:fld>
             <a:endParaRPr lang="en-US"/>
           </a:p>
@@ -10770,7 +10770,7 @@
           <a:p>
             <a:fld id="{36B80835-DEB3-4275-B379-2566D87801AD}" type="datetimeFigureOut">
               <a:rPr lang="en-US" smtClean="0"/>
-              <a:t>14-Dec-24</a:t>
+              <a:t>13-Jan-25</a:t>
             </a:fld>
             <a:endParaRPr lang="en-US"/>
           </a:p>
@@ -11306,7 +11306,7 @@
           <a:p>
             <a:fld id="{4EF95999-A99C-46D6-BFDA-AEFA180EA74F}" type="datetimeFigureOut">
               <a:rPr lang="en-US" smtClean="0"/>
-              <a:t>14-Dec-24</a:t>
+              <a:t>13-Jan-25</a:t>
             </a:fld>
             <a:endParaRPr lang="en-US"/>
           </a:p>
@@ -11844,7 +11844,7 @@
           <a:p>
             <a:fld id="{4EF95999-A99C-46D6-BFDA-AEFA180EA74F}" type="datetimeFigureOut">
               <a:rPr lang="en-US" smtClean="0"/>
-              <a:t>14-Dec-24</a:t>
+              <a:t>13-Jan-25</a:t>
             </a:fld>
             <a:endParaRPr lang="en-US"/>
           </a:p>
@@ -13369,7 +13369,22 @@
               <a:rPr lang="en-US" sz="1800" b="0" i="0" u="none" strike="noStrike" baseline="0" dirty="0">
                 <a:latin typeface="URWPalladioL-Roma"/>
               </a:rPr>
-              <a:t>: This layer is tasked with transmitting and receiving signals, and</a:t>
+              <a:t>: This layer is tasked </a:t>
+            </a:r>
+            <a:r>
+              <a:rPr lang="en-US" sz="1800" b="0" i="0" u="none" strike="noStrike" baseline="0" dirty="0">
+                <a:highlight>
+                  <a:srgbClr val="FFFF00"/>
+                </a:highlight>
+                <a:latin typeface="URWPalladioL-Roma"/>
+              </a:rPr>
+              <a:t>with transmitting and receiving signals</a:t>
+            </a:r>
+            <a:r>
+              <a:rPr lang="en-US" sz="1800" b="0" i="0" u="none" strike="noStrike" baseline="0" dirty="0">
+                <a:latin typeface="URWPalladioL-Roma"/>
+              </a:rPr>
+              <a:t>, and</a:t>
             </a:r>
           </a:p>
           <a:p>
@@ -13444,13 +13459,25 @@
               <a:rPr lang="en-US" sz="1800" b="0" i="0" u="none" strike="noStrike" baseline="0" dirty="0">
                 <a:latin typeface="URWPalladioL-Roma"/>
               </a:rPr>
-              <a:t>: This layer handles operations such as setting up the network,</a:t>
+              <a:t>: This layer handles operations </a:t>
+            </a:r>
+            <a:r>
+              <a:rPr lang="en-US" sz="1800" b="0" i="0" u="none" strike="noStrike" baseline="0" dirty="0">
+                <a:highlight>
+                  <a:srgbClr val="FFFF00"/>
+                </a:highlight>
+                <a:latin typeface="URWPalladioL-Roma"/>
+              </a:rPr>
+              <a:t>such as setting up the network,</a:t>
             </a:r>
           </a:p>
           <a:p>
             <a:pPr algn="l"/>
             <a:r>
               <a:rPr lang="en-US" sz="1800" b="0" i="0" u="none" strike="noStrike" baseline="0" dirty="0">
+                <a:highlight>
+                  <a:srgbClr val="FFFF00"/>
+                </a:highlight>
                 <a:latin typeface="URWPalladioL-Roma"/>
               </a:rPr>
               <a:t>connecting and disconnecting the devices, configuring the devices, and routing</a:t>
@@ -13483,7 +13510,22 @@
               <a:rPr lang="en-US" sz="1800" b="0" i="0" u="none" strike="noStrike" baseline="0" dirty="0">
                 <a:latin typeface="URWPalladioL-Roma"/>
               </a:rPr>
-              <a:t>control services, bridge between network and other layers, and enables the</a:t>
+              <a:t>control services, </a:t>
+            </a:r>
+            <a:r>
+              <a:rPr lang="en-US" sz="1800" b="0" i="0" u="none" strike="noStrike" baseline="0" dirty="0">
+                <a:highlight>
+                  <a:srgbClr val="FFFF00"/>
+                </a:highlight>
+                <a:latin typeface="URWPalladioL-Roma"/>
+              </a:rPr>
+              <a:t>bridge between network </a:t>
+            </a:r>
+            <a:r>
+              <a:rPr lang="en-US" sz="1800" b="0" i="0" u="none" strike="noStrike" baseline="0" dirty="0">
+                <a:latin typeface="URWPalladioL-Roma"/>
+              </a:rPr>
+              <a:t>and other layers, and enables the</a:t>
             </a:r>
           </a:p>
           <a:p>
@@ -13496,6 +13538,9 @@
             </a:r>
             <a:r>
               <a:rPr lang="en-US" sz="1800" b="1" i="0" u="none" strike="noStrike" baseline="0" dirty="0">
+                <a:highlight>
+                  <a:srgbClr val="FFFF00"/>
+                </a:highlight>
                 <a:latin typeface="URWPalladioL-Roma"/>
               </a:rPr>
               <a:t>for Zigbee device object</a:t>
@@ -13505,6 +13550,9 @@
             <a:pPr algn="l"/>
             <a:r>
               <a:rPr lang="en-US" sz="1800" b="0" i="0" u="none" strike="noStrike" baseline="0" dirty="0">
+                <a:highlight>
+                  <a:srgbClr val="FFFF00"/>
+                </a:highlight>
                 <a:latin typeface="URWPalladioL-Roma"/>
               </a:rPr>
               <a:t>(ZDO) and Zigbee application objects (ZAO).</a:t>
@@ -13537,18 +13585,34 @@
               <a:rPr lang="en-US" sz="1800" b="0" i="0" u="none" strike="noStrike" baseline="0" dirty="0">
                 <a:latin typeface="URWPalladioL-Roma"/>
               </a:rPr>
-              <a:t>application framework: provision of a key-value pair and generation of generic</a:t>
+              <a:t>application framework: </a:t>
+            </a:r>
+            <a:r>
+              <a:rPr lang="en-US" sz="1800" b="0" i="0" u="none" strike="noStrike" baseline="0" dirty="0">
+                <a:highlight>
+                  <a:srgbClr val="FFFF00"/>
+                </a:highlight>
+                <a:latin typeface="URWPalladioL-Roma"/>
+              </a:rPr>
+              <a:t>provision of a key-value pair and generation of generic</a:t>
             </a:r>
           </a:p>
           <a:p>
             <a:pPr algn="l"/>
             <a:r>
               <a:rPr lang="en-IN" sz="1800" b="0" i="0" u="none" strike="noStrike" baseline="0" dirty="0">
+                <a:highlight>
+                  <a:srgbClr val="FFFF00"/>
+                </a:highlight>
                 <a:latin typeface="URWPalladioL-Roma"/>
               </a:rPr>
               <a:t>messages</a:t>
             </a:r>
-            <a:endParaRPr lang="en-IN" dirty="0"/>
+            <a:endParaRPr lang="en-IN" dirty="0">
+              <a:highlight>
+                <a:srgbClr val="FFFF00"/>
+              </a:highlight>
+            </a:endParaRPr>
           </a:p>
         </p:txBody>
       </p:sp>
@@ -13985,9 +14049,18 @@
             <a:pPr algn="l"/>
             <a:r>
               <a:rPr lang="en-US" sz="1800" b="0" i="0" u="none" strike="noStrike" baseline="0" dirty="0">
+                <a:highlight>
+                  <a:srgbClr val="FFFF00"/>
+                </a:highlight>
                 <a:latin typeface="URWPalladioL-Roma"/>
               </a:rPr>
-              <a:t>low power consumption and low latency deployments . Unlike Zigbee, Thread can extend direct Internet connectivity to the devices it is connected with</a:t>
+              <a:t>low power consumption and low latency deployments </a:t>
+            </a:r>
+            <a:r>
+              <a:rPr lang="en-US" sz="1800" b="0" i="0" u="none" strike="noStrike" baseline="0" dirty="0">
+                <a:latin typeface="URWPalladioL-Roma"/>
+              </a:rPr>
+              <a:t>. Unlike Zigbee, Thread can extend direct Internet connectivity to the devices it is connected with</a:t>
             </a:r>
             <a:endParaRPr lang="en-IN" dirty="0"/>
           </a:p>
@@ -14015,8 +14088,8 @@
         </p:blipFill>
         <p:spPr>
           <a:xfrm>
-            <a:off x="2729735" y="1948249"/>
-            <a:ext cx="6830378" cy="4439270"/>
+            <a:off x="3305134" y="2572464"/>
+            <a:ext cx="6081336" cy="3952445"/>
           </a:xfrm>
           <a:prstGeom prst="rect">
             <a:avLst/>
@@ -14417,7 +14490,28 @@
               <a:rPr lang="en-US" sz="2800" b="0" i="0" u="none" strike="noStrike" baseline="0" dirty="0">
                 <a:latin typeface="URWPalladioL-Roma"/>
               </a:rPr>
-              <a:t>removes the need for a mobile phone or a proprietary gateway to be in the range of devices for accessing the Internet. </a:t>
+              <a:t>removes the need for a mobile phone or a proprietary gateway </a:t>
+            </a:r>
+            <a:r>
+              <a:rPr lang="en-US" sz="2800" b="0" i="0" u="none" strike="noStrike" baseline="0" dirty="0">
+                <a:highlight>
+                  <a:srgbClr val="FFFF00"/>
+                </a:highlight>
+                <a:latin typeface="URWPalladioL-Roma"/>
+              </a:rPr>
+              <a:t>to be in the range of devices for </a:t>
+            </a:r>
+            <a:r>
+              <a:rPr lang="en-US" sz="2800" b="0" i="0" u="none" strike="noStrike" baseline="0" dirty="0">
+                <a:solidFill>
+                  <a:srgbClr val="FF0000"/>
+                </a:solidFill>
+                <a:highlight>
+                  <a:srgbClr val="FFFF00"/>
+                </a:highlight>
+                <a:latin typeface="URWPalladioL-Roma"/>
+              </a:rPr>
+              <a:t>accessing the Internet. </a:t>
             </a:r>
           </a:p>
           <a:p>
@@ -14432,9 +14526,22 @@
               <a:rPr lang="en-US" sz="2800" b="0" i="0" u="none" strike="noStrike" baseline="0" dirty="0">
                 <a:latin typeface="URWPalladioL-Roma"/>
               </a:rPr>
-              <a:t>It is specially designed for IoT with the need for interoperability, security, power, and architecture addressed in a single radio platform</a:t>
-            </a:r>
-            <a:endParaRPr lang="en-IN" sz="2800" dirty="0"/>
+              <a:t>It is specially designed for IoT with the need for </a:t>
+            </a:r>
+            <a:r>
+              <a:rPr lang="en-US" sz="2800" b="0" i="0" u="none" strike="noStrike" baseline="0" dirty="0">
+                <a:highlight>
+                  <a:srgbClr val="FFFF00"/>
+                </a:highlight>
+                <a:latin typeface="URWPalladioL-Roma"/>
+              </a:rPr>
+              <a:t>interoperability, security, power, and architecture addressed in a single radio platform</a:t>
+            </a:r>
+            <a:endParaRPr lang="en-IN" sz="2800" dirty="0">
+              <a:highlight>
+                <a:srgbClr val="FFFF00"/>
+              </a:highlight>
+            </a:endParaRPr>
           </a:p>
         </p:txBody>
       </p:sp>
@@ -15337,7 +15444,22 @@
               <a:rPr lang="en-US" sz="1800" b="0" i="0" u="none" strike="noStrike" baseline="0" dirty="0">
                 <a:latin typeface="URWPalladioL-Roma"/>
               </a:rPr>
-              <a:t>An ISA100.11A wireless network utilizes the 2.4 GHz frequency band for</a:t>
+              <a:t>An ISA100.11A wireless network utilizes </a:t>
+            </a:r>
+            <a:r>
+              <a:rPr lang="en-US" sz="1800" b="0" i="0" u="none" strike="noStrike" baseline="0" dirty="0">
+                <a:highlight>
+                  <a:srgbClr val="FFFF00"/>
+                </a:highlight>
+                <a:latin typeface="URWPalladioL-Roma"/>
+              </a:rPr>
+              <a:t>the 2.4 GHz frequency </a:t>
+            </a:r>
+            <a:r>
+              <a:rPr lang="en-US" sz="1800" b="0" i="0" u="none" strike="noStrike" baseline="0" dirty="0">
+                <a:latin typeface="URWPalladioL-Roma"/>
+              </a:rPr>
+              <a:t>band for</a:t>
             </a:r>
           </a:p>
           <a:p>
@@ -16429,6 +16551,9 @@
             </a:r>
             <a:r>
               <a:rPr lang="en-US" sz="1800" b="0" i="0" u="none" strike="noStrike" baseline="0" dirty="0">
+                <a:highlight>
+                  <a:srgbClr val="FFFF00"/>
+                </a:highlight>
                 <a:latin typeface="URWPalladioL-Roma"/>
               </a:rPr>
               <a:t>communicate with a central control system in any of the two ways: </a:t>
@@ -16503,18 +16628,34 @@
               <a:rPr lang="en-US" sz="1800" b="0" i="0" u="none" strike="noStrike" baseline="0" dirty="0">
                 <a:latin typeface="URWPalladioL-Roma"/>
               </a:rPr>
-              <a:t>between devices in a mesh and a gateway when messages jump from device to</a:t>
+              <a:t>between devices in a mesh and a gateway </a:t>
+            </a:r>
+            <a:r>
+              <a:rPr lang="en-US" sz="1800" b="0" i="0" u="none" strike="noStrike" baseline="0" dirty="0">
+                <a:highlight>
+                  <a:srgbClr val="FFFF00"/>
+                </a:highlight>
+                <a:latin typeface="URWPalladioL-Roma"/>
+              </a:rPr>
+              <a:t>when messages jump from device to</a:t>
             </a:r>
           </a:p>
           <a:p>
             <a:pPr algn="l"/>
             <a:r>
               <a:rPr lang="en-US" sz="1800" b="0" i="0" u="none" strike="noStrike" baseline="0" dirty="0">
+                <a:highlight>
+                  <a:srgbClr val="FFFF00"/>
+                </a:highlight>
                 <a:latin typeface="URWPalladioL-Roma"/>
               </a:rPr>
               <a:t>device until it reaches the gateway.</a:t>
             </a:r>
-            <a:endParaRPr lang="en-IN" dirty="0"/>
+            <a:endParaRPr lang="en-IN" dirty="0">
+              <a:highlight>
+                <a:srgbClr val="FFFF00"/>
+              </a:highlight>
+            </a:endParaRPr>
           </a:p>
         </p:txBody>
       </p:sp>
@@ -17699,7 +17840,22 @@
               <a:rPr lang="en-US" sz="1800" b="0" i="0" u="none" strike="noStrike" baseline="0" dirty="0">
                 <a:latin typeface="URWPalladioL-Roma"/>
               </a:rPr>
-              <a:t>Some of these solutions necessarily require integration with a minimal form of processing infrastructure, such as Wi-Fi. In contrast, others, such as Zigbee, can work in a standalone mode altogether, without the need for external</a:t>
+              <a:t>Some of these solutions necessarily require integration with a minimal form of processing infrastructure</a:t>
+            </a:r>
+            <a:r>
+              <a:rPr lang="en-US" sz="1800" b="0" i="0" u="none" strike="noStrike" baseline="0" dirty="0">
+                <a:highlight>
+                  <a:srgbClr val="FFFF00"/>
+                </a:highlight>
+                <a:latin typeface="URWPalladioL-Roma"/>
+              </a:rPr>
+              <a:t>, such as Wi-Fi. In contrast</a:t>
+            </a:r>
+            <a:r>
+              <a:rPr lang="en-US" sz="1800" b="0" i="0" u="none" strike="noStrike" baseline="0" dirty="0">
+                <a:latin typeface="URWPalladioL-Roma"/>
+              </a:rPr>
+              <a:t>, others, such as Zigbee, can work in a standalone mode altogether, without the need for external</a:t>
             </a:r>
             <a:r>
               <a:rPr lang="en-IN" sz="1800" b="0" i="0" u="none" strike="noStrike" baseline="0" dirty="0">
@@ -18137,15 +18293,31 @@
               <a:rPr lang="en-US" sz="1800" b="0" i="0" u="none" strike="noStrike" baseline="0" dirty="0">
                 <a:latin typeface="URWPalladioL-Roma"/>
               </a:rPr>
-              <a:t>RFID stands for radio frequency identification. This technology uses tags and readers </a:t>
+              <a:t>RFID stands for radio frequency identification. </a:t>
+            </a:r>
+            <a:r>
+              <a:rPr lang="en-US" sz="1800" b="0" i="0" u="none" strike="noStrike" baseline="0" dirty="0">
+                <a:highlight>
+                  <a:srgbClr val="FFFF00"/>
+                </a:highlight>
+                <a:latin typeface="URWPalladioL-Roma"/>
+              </a:rPr>
+              <a:t>This technology uses tags and readers </a:t>
             </a:r>
             <a:r>
               <a:rPr lang="en-IN" sz="1800" b="0" i="0" u="none" strike="noStrike" baseline="0" dirty="0">
+                <a:highlight>
+                  <a:srgbClr val="FFFF00"/>
+                </a:highlight>
                 <a:latin typeface="URWPalladioL-Roma"/>
               </a:rPr>
               <a:t>for communication</a:t>
             </a:r>
-            <a:endParaRPr lang="en-IN" dirty="0"/>
+            <a:endParaRPr lang="en-IN" dirty="0">
+              <a:highlight>
+                <a:srgbClr val="FFFF00"/>
+              </a:highlight>
+            </a:endParaRPr>
           </a:p>
         </p:txBody>
       </p:sp>
@@ -18182,9 +18354,22 @@
               <a:rPr lang="en-US" sz="1800" b="0" i="0" u="none" strike="noStrike" baseline="0" dirty="0">
                 <a:latin typeface="URWPalladioL-Roma"/>
               </a:rPr>
-              <a:t>RFID tags have data encoded onto them digitally. The RFID readers can read the values encoded in these tags without physically touching them</a:t>
-            </a:r>
-            <a:endParaRPr lang="en-IN" dirty="0"/>
+              <a:t>RFID tags have data encoded onto them digitally.</a:t>
+            </a:r>
+            <a:r>
+              <a:rPr lang="en-US" sz="1800" b="0" i="0" u="none" strike="noStrike" baseline="0" dirty="0">
+                <a:highlight>
+                  <a:srgbClr val="FFFF00"/>
+                </a:highlight>
+                <a:latin typeface="URWPalladioL-Roma"/>
+              </a:rPr>
+              <a:t> The RFID readers can read the values encoded in these tags without physically touching them</a:t>
+            </a:r>
+            <a:endParaRPr lang="en-IN" dirty="0">
+              <a:highlight>
+                <a:srgbClr val="FFFF00"/>
+              </a:highlight>
+            </a:endParaRPr>
           </a:p>
         </p:txBody>
       </p:sp>
@@ -18221,7 +18406,22 @@
               <a:rPr lang="en-US" sz="1800" b="0" i="0" u="none" strike="noStrike" baseline="0" dirty="0">
                 <a:latin typeface="URWPalladioL-Roma"/>
               </a:rPr>
-              <a:t>The automatic identification and data capture (AIDC) technology can be</a:t>
+              <a:t>The </a:t>
+            </a:r>
+            <a:r>
+              <a:rPr lang="en-US" sz="1800" b="0" i="0" u="none" strike="noStrike" baseline="0" dirty="0">
+                <a:highlight>
+                  <a:srgbClr val="FFFF00"/>
+                </a:highlight>
+                <a:latin typeface="URWPalladioL-Roma"/>
+              </a:rPr>
+              <a:t>automatic identification and data capture </a:t>
+            </a:r>
+            <a:r>
+              <a:rPr lang="en-US" sz="1800" b="0" i="0" u="none" strike="noStrike" baseline="0" dirty="0">
+                <a:latin typeface="URWPalladioL-Roma"/>
+              </a:rPr>
+              <a:t>(AIDC) technology can be</a:t>
             </a:r>
           </a:p>
           <a:p>
@@ -22885,7 +23085,52 @@
               <a:rPr lang="en-US" sz="1800" b="0" i="0" u="none" strike="noStrike" baseline="0" dirty="0">
                 <a:latin typeface="URWPalladioL-Roma"/>
               </a:rPr>
-              <a:t>The IEEE 802.15.4 standard represents the most popular standard for low data rate wireless personal area networks (WPAN) [1]. This standard was developed to enable monitoring and control applications with lower data rate and extend the operational life for uses with low-power consumption. </a:t>
+              <a:t>The IEEE 802.15.4 standard represents the most popular standard for low data rate </a:t>
+            </a:r>
+            <a:r>
+              <a:rPr lang="en-US" sz="1800" b="0" i="0" u="none" strike="noStrike" baseline="0" dirty="0">
+                <a:highlight>
+                  <a:srgbClr val="FFFF00"/>
+                </a:highlight>
+                <a:latin typeface="URWPalladioL-Roma"/>
+              </a:rPr>
+              <a:t>wireless personal area networks </a:t>
+            </a:r>
+            <a:r>
+              <a:rPr lang="en-US" sz="1800" b="0" i="0" u="none" strike="noStrike" baseline="0" dirty="0">
+                <a:latin typeface="URWPalladioL-Roma"/>
+              </a:rPr>
+              <a:t>(WPAN) [1]. This standard was developed </a:t>
+            </a:r>
+            <a:r>
+              <a:rPr lang="en-US" sz="1800" b="0" i="0" u="none" strike="noStrike" baseline="0" dirty="0">
+                <a:highlight>
+                  <a:srgbClr val="FFFF00"/>
+                </a:highlight>
+                <a:latin typeface="URWPalladioL-Roma"/>
+              </a:rPr>
+              <a:t>to enable monitoring and control applications </a:t>
+            </a:r>
+            <a:r>
+              <a:rPr lang="en-US" sz="1800" b="0" i="0" u="none" strike="noStrike" baseline="0" dirty="0">
+                <a:latin typeface="URWPalladioL-Roma"/>
+              </a:rPr>
+              <a:t>with </a:t>
+            </a:r>
+            <a:r>
+              <a:rPr lang="en-US" sz="1800" b="0" i="0" u="none" strike="noStrike" baseline="0" dirty="0">
+                <a:highlight>
+                  <a:srgbClr val="FFFF00"/>
+                </a:highlight>
+                <a:latin typeface="URWPalladioL-Roma"/>
+              </a:rPr>
+              <a:t>lower data rate </a:t>
+            </a:r>
+            <a:r>
+              <a:rPr lang="en-US" sz="1800" b="0" i="0" u="none" strike="noStrike" baseline="0" dirty="0">
+                <a:latin typeface="URWPalladioL-Roma"/>
+              </a:rPr>
+              <a:t>and extend the operational life for uses with low-power consumption. </a:t>
             </a:r>
           </a:p>
           <a:p>
@@ -26014,18 +26259,34 @@
               <a:rPr lang="en-US" sz="1800" b="0" i="0" u="none" strike="noStrike" baseline="0" dirty="0">
                 <a:latin typeface="URWPalladioL-Roma"/>
               </a:rPr>
-              <a:t>2) full-function devices (FFD). FFDs can talk to all types of devices</a:t>
+              <a:t>2) full-function devices (FFD). </a:t>
+            </a:r>
+            <a:r>
+              <a:rPr lang="en-US" sz="1800" b="0" i="0" u="none" strike="noStrike" baseline="0" dirty="0">
+                <a:highlight>
+                  <a:srgbClr val="FFFF00"/>
+                </a:highlight>
+                <a:latin typeface="URWPalladioL-Roma"/>
+              </a:rPr>
+              <a:t>FFDs can talk to all types of devices</a:t>
             </a:r>
           </a:p>
           <a:p>
             <a:pPr algn="l"/>
             <a:r>
               <a:rPr lang="en-US" sz="1800" b="0" i="0" u="none" strike="noStrike" baseline="0" dirty="0">
+                <a:highlight>
+                  <a:srgbClr val="FFFF00"/>
+                </a:highlight>
                 <a:latin typeface="URWPalladioL-Roma"/>
               </a:rPr>
               <a:t>and support full protocol stacks</a:t>
             </a:r>
-            <a:endParaRPr lang="en-IN" dirty="0"/>
+            <a:endParaRPr lang="en-IN" dirty="0">
+              <a:highlight>
+                <a:srgbClr val="FFFF00"/>
+              </a:highlight>
+            </a:endParaRPr>
           </a:p>
         </p:txBody>
       </p:sp>
@@ -26411,36 +26672,40 @@
               <a:rPr lang="en-US" sz="1800" b="0" i="0" u="none" strike="noStrike" baseline="0" dirty="0">
                 <a:latin typeface="URWPalladioL-Roma"/>
               </a:rPr>
-              <a:t>In contrast, for non-beacon-enabled networks, unslotted CSMA/CA (</a:t>
-            </a:r>
-            <a:r>
-              <a:rPr lang="en-US" sz="1800" b="0" i="0" u="none" strike="noStrike" baseline="0" dirty="0" err="1">
-                <a:latin typeface="URWPalladioL-Roma"/>
-              </a:rPr>
-              <a:t>contentionbased</a:t>
-            </a:r>
+              <a:t>In contrast, for non-beacon-enabled networks, unslotted CSMA/CA (contention based)</a:t>
+            </a:r>
+          </a:p>
+          <a:p>
+            <a:pPr algn="l"/>
             <a:r>
               <a:rPr lang="en-US" sz="1800" b="0" i="0" u="none" strike="noStrike" baseline="0" dirty="0">
                 <a:latin typeface="URWPalladioL-Roma"/>
               </a:rPr>
-              <a:t>)</a:t>
-            </a:r>
-          </a:p>
-          <a:p>
-            <a:pPr algn="l"/>
+              <a:t>is used for transmission of data frames, and </a:t>
+            </a:r>
             <a:r>
               <a:rPr lang="en-US" sz="1800" b="0" i="0" u="none" strike="noStrike" baseline="0" dirty="0">
+                <a:highlight>
+                  <a:srgbClr val="FFFF00"/>
+                </a:highlight>
                 <a:latin typeface="URWPalladioL-Roma"/>
               </a:rPr>
-              <a:t>is used for transmission of data frames, and beacons are used only for link </a:t>
+              <a:t>beacons are used only for link </a:t>
             </a:r>
             <a:r>
               <a:rPr lang="en-IN" sz="1800" b="0" i="0" u="none" strike="noStrike" baseline="0" dirty="0">
+                <a:highlight>
+                  <a:srgbClr val="FFFF00"/>
+                </a:highlight>
                 <a:latin typeface="URWPalladioL-Roma"/>
               </a:rPr>
               <a:t>layer discovery</a:t>
             </a:r>
-            <a:endParaRPr lang="en-IN" dirty="0"/>
+            <a:endParaRPr lang="en-IN" dirty="0">
+              <a:highlight>
+                <a:srgbClr val="FFFF00"/>
+              </a:highlight>
+            </a:endParaRPr>
           </a:p>
         </p:txBody>
       </p:sp>
@@ -26516,7 +26781,22 @@
               <a:rPr lang="en-US" sz="1800" b="0" i="0" u="none" strike="noStrike" baseline="0" dirty="0">
                 <a:latin typeface="URWPalladioL-Roma"/>
               </a:rPr>
-              <a:t>The periodic transmission of beacon messages characterizes beacon-enabled networks. Here, the data frames sent via slotted CSMA/CA with a super frame structure managed by a personal area network</a:t>
+              <a:t>The periodic transmission of beacon messages characterizes beacon-enabled networks. Here, the data frames sent </a:t>
+            </a:r>
+            <a:r>
+              <a:rPr lang="en-US" sz="1800" b="1" i="0" u="none" strike="noStrike" baseline="0" dirty="0">
+                <a:highlight>
+                  <a:srgbClr val="FFFF00"/>
+                </a:highlight>
+                <a:latin typeface="URWPalladioL-Roma"/>
+              </a:rPr>
+              <a:t>via slotted CSMA/CA </a:t>
+            </a:r>
+            <a:r>
+              <a:rPr lang="en-US" sz="1800" b="0" i="0" u="none" strike="noStrike" baseline="0" dirty="0">
+                <a:latin typeface="URWPalladioL-Roma"/>
+              </a:rPr>
+              <a:t>with a super frame structure managed by a personal area network</a:t>
             </a:r>
           </a:p>
           <a:p>
@@ -27432,18 +27712,49 @@
               <a:rPr lang="en-US" sz="1800" b="0" i="0" u="none" strike="noStrike" baseline="0" dirty="0">
                 <a:latin typeface="URWPalladioL-Roma"/>
               </a:rPr>
-              <a:t>Zigbee supports various network configurations such as master-to-master</a:t>
+              <a:t>Zigbee supports various network configurations s</a:t>
+            </a:r>
+            <a:r>
+              <a:rPr lang="en-US" sz="1800" b="0" i="0" u="none" strike="noStrike" baseline="0" dirty="0">
+                <a:highlight>
+                  <a:srgbClr val="FFFF00"/>
+                </a:highlight>
+                <a:latin typeface="URWPalladioL-Roma"/>
+              </a:rPr>
+              <a:t>uch as master-to-master</a:t>
             </a:r>
           </a:p>
           <a:p>
             <a:pPr algn="l"/>
+            <a:r>
+              <a:rPr lang="en-IN" sz="1800" b="0" i="0" u="none" strike="noStrike" baseline="0" dirty="0">
+                <a:highlight>
+                  <a:srgbClr val="FFFF00"/>
+                </a:highlight>
+                <a:latin typeface="URWPalladioL-Roma"/>
+              </a:rPr>
+              <a:t>communicati</a:t>
+            </a:r>
             <a:r>
               <a:rPr lang="en-IN" sz="1800" b="0" i="0" u="none" strike="noStrike" baseline="0" dirty="0">
                 <a:latin typeface="URWPalladioL-Roma"/>
               </a:rPr>
-              <a:t>communication or master-to-slave communication</a:t>
-            </a:r>
-            <a:endParaRPr lang="en-IN" dirty="0"/>
+              <a:t>on or </a:t>
+            </a:r>
+            <a:r>
+              <a:rPr lang="en-IN" sz="1800" b="0" i="0" u="none" strike="noStrike" baseline="0" dirty="0">
+                <a:highlight>
+                  <a:srgbClr val="FFFF00"/>
+                </a:highlight>
+                <a:latin typeface="URWPalladioL-Roma"/>
+              </a:rPr>
+              <a:t>master-to-slave communication</a:t>
+            </a:r>
+            <a:endParaRPr lang="en-IN" dirty="0">
+              <a:highlight>
+                <a:srgbClr val="FFFF00"/>
+              </a:highlight>
+            </a:endParaRPr>
           </a:p>
         </p:txBody>
       </p:sp>
